--- a/2018/dual.pptx
+++ b/2018/dual.pptx
@@ -6,6 +6,10 @@
   </p:sldMasterIdLst>
   <p:sldIdLst>
     <p:sldId id="256" r:id="rId2"/>
+    <p:sldId id="257" r:id="rId3"/>
+    <p:sldId id="258" r:id="rId4"/>
+    <p:sldId id="259" r:id="rId5"/>
+    <p:sldId id="260" r:id="rId6"/>
   </p:sldIdLst>
   <p:sldSz cx="12192000" cy="6858000"/>
   <p:notesSz cx="6858000" cy="9144000"/>
@@ -104,6 +108,11 @@
       </a:defRPr>
     </a:lvl9pPr>
   </p:defaultTextStyle>
+  <p:extLst>
+    <p:ext uri="{EFAFB233-063F-42B5-8137-9DF3F51BA10A}">
+      <p15:sldGuideLst xmlns:p15="http://schemas.microsoft.com/office/powerpoint/2012/main"/>
+    </p:ext>
+  </p:extLst>
 </p:presentation>
 </file>
 
@@ -3357,8 +3366,8 @@
           </a:p>
         </p:txBody>
       </p:sp>
-      <mc:AlternateContent xmlns:mc="http://schemas.openxmlformats.org/markup-compatibility/2006">
-        <mc:Choice xmlns:a14="http://schemas.microsoft.com/office/drawing/2010/main" Requires="a14">
+      <mc:AlternateContent xmlns:mc="http://schemas.openxmlformats.org/markup-compatibility/2006" xmlns:a14="http://schemas.microsoft.com/office/drawing/2010/main">
+        <mc:Choice Requires="a14">
           <p:sp>
             <p:nvSpPr>
               <p:cNvPr id="5" name="TextBox 4">
@@ -3863,7 +3872,7 @@
             </p:txBody>
           </p:sp>
         </mc:Choice>
-        <mc:Fallback>
+        <mc:Fallback xmlns="">
           <p:sp>
             <p:nvSpPr>
               <p:cNvPr id="5" name="TextBox 4">
@@ -4217,8 +4226,8 @@
             </p:nvSpPr>
             <p:spPr>
               <a:xfrm>
-                <a:off x="1210835" y="1739335"/>
-                <a:ext cx="2345450" cy="585097"/>
+                <a:off x="1210835" y="1730191"/>
+                <a:ext cx="2345450" cy="1147878"/>
               </a:xfrm>
               <a:prstGeom prst="rect">
                 <a:avLst/>
@@ -4325,7 +4334,99 @@
                     </m:oMath>
                   </m:oMathPara>
                 </a14:m>
-                <a:endParaRPr lang="ru-RU" sz="3200" dirty="0"/>
+                <a:endParaRPr lang="en-US" sz="3200" b="0" dirty="0">
+                  <a:ea typeface="Cambria Math" panose="02040503050406030204" pitchFamily="18" charset="0"/>
+                </a:endParaRPr>
+              </a:p>
+              <a:p>
+                <a:pPr/>
+                <a14:m>
+                  <m:oMathPara xmlns:m="http://schemas.openxmlformats.org/officeDocument/2006/math">
+                    <m:oMathParaPr>
+                      <m:jc m:val="centerGroup"/>
+                    </m:oMathParaPr>
+                    <m:oMath xmlns:m="http://schemas.openxmlformats.org/officeDocument/2006/math">
+                      <m:sSub>
+                        <m:sSubPr>
+                          <m:ctrlPr>
+                            <a:rPr lang="en-US" sz="3200" i="1">
+                              <a:latin typeface="Cambria Math" panose="02040503050406030204" pitchFamily="18" charset="0"/>
+                            </a:rPr>
+                          </m:ctrlPr>
+                        </m:sSubPr>
+                        <m:e>
+                          <m:r>
+                            <a:rPr lang="en-US" sz="3200" b="0" i="1" smtClean="0">
+                              <a:latin typeface="Cambria Math" panose="02040503050406030204" pitchFamily="18" charset="0"/>
+                            </a:rPr>
+                            <m:t>𝑆</m:t>
+                          </m:r>
+                        </m:e>
+                        <m:sub>
+                          <m:r>
+                            <a:rPr lang="en-US" sz="3200" i="1">
+                              <a:latin typeface="Cambria Math" panose="02040503050406030204" pitchFamily="18" charset="0"/>
+                            </a:rPr>
+                            <m:t>𝑖</m:t>
+                          </m:r>
+                        </m:sub>
+                      </m:sSub>
+                      <m:r>
+                        <a:rPr lang="en-US" sz="3200" i="1">
+                          <a:latin typeface="Cambria Math" panose="02040503050406030204" pitchFamily="18" charset="0"/>
+                        </a:rPr>
+                        <m:t>=</m:t>
+                      </m:r>
+                      <m:sSubSup>
+                        <m:sSubSupPr>
+                          <m:ctrlPr>
+                            <a:rPr lang="en-US" sz="3200" i="1">
+                              <a:latin typeface="Cambria Math" panose="02040503050406030204" pitchFamily="18" charset="0"/>
+                            </a:rPr>
+                          </m:ctrlPr>
+                        </m:sSubSupPr>
+                        <m:e>
+                          <m:r>
+                            <a:rPr lang="en-US" sz="3200" b="0" i="1" smtClean="0">
+                              <a:latin typeface="Cambria Math" panose="02040503050406030204" pitchFamily="18" charset="0"/>
+                            </a:rPr>
+                            <m:t>𝐶</m:t>
+                          </m:r>
+                        </m:e>
+                        <m:sub>
+                          <m:r>
+                            <a:rPr lang="en-US" sz="3200" i="1">
+                              <a:latin typeface="Cambria Math" panose="02040503050406030204" pitchFamily="18" charset="0"/>
+                            </a:rPr>
+                            <m:t>𝑖</m:t>
+                          </m:r>
+                        </m:sub>
+                        <m:sup/>
+                      </m:sSubSup>
+                      <m:r>
+                        <a:rPr lang="en-US" sz="3200" i="1">
+                          <a:latin typeface="Cambria Math" panose="02040503050406030204" pitchFamily="18" charset="0"/>
+                        </a:rPr>
+                        <m:t>, </m:t>
+                      </m:r>
+                      <m:r>
+                        <a:rPr lang="en-US" sz="3200" i="1">
+                          <a:latin typeface="Cambria Math" panose="02040503050406030204" pitchFamily="18" charset="0"/>
+                          <a:ea typeface="Cambria Math" panose="02040503050406030204" pitchFamily="18" charset="0"/>
+                        </a:rPr>
+                        <m:t>∀</m:t>
+                      </m:r>
+                      <m:r>
+                        <a:rPr lang="en-US" sz="3200" i="1">
+                          <a:latin typeface="Cambria Math" panose="02040503050406030204" pitchFamily="18" charset="0"/>
+                          <a:ea typeface="Cambria Math" panose="02040503050406030204" pitchFamily="18" charset="0"/>
+                        </a:rPr>
+                        <m:t>𝑖</m:t>
+                      </m:r>
+                    </m:oMath>
+                  </m:oMathPara>
+                </a14:m>
+                <a:endParaRPr lang="en-US" sz="3200" dirty="0"/>
               </a:p>
             </p:txBody>
           </p:sp>
@@ -4347,8 +4448,8 @@
             </p:nvSpPr>
             <p:spPr>
               <a:xfrm>
-                <a:off x="1210835" y="1739335"/>
-                <a:ext cx="2345450" cy="585097"/>
+                <a:off x="1210835" y="1730191"/>
+                <a:ext cx="2345450" cy="1147878"/>
               </a:xfrm>
               <a:prstGeom prst="rect">
                 <a:avLst/>
@@ -4403,7 +4504,6 @@
           </a:bodyPr>
           <a:lstStyle/>
           <a:p>
-            <a:pPr/>
             <a:r>
               <a:rPr lang="en-US" sz="3200" dirty="0"/>
               <a:t>Precedence constraint</a:t>
@@ -4432,10 +4532,487 @@
           </a:p>
         </p:txBody>
       </p:sp>
+      <mc:AlternateContent xmlns:mc="http://schemas.openxmlformats.org/markup-compatibility/2006" xmlns:a14="http://schemas.microsoft.com/office/drawing/2010/main">
+        <mc:Choice Requires="a14">
+          <p:sp>
+            <p:nvSpPr>
+              <p:cNvPr id="18" name="TextBox 17">
+                <a:extLst>
+                  <a:ext uri="{FF2B5EF4-FFF2-40B4-BE49-F238E27FC236}">
+                    <a16:creationId xmlns:a16="http://schemas.microsoft.com/office/drawing/2014/main" id="{C9B7E629-68C5-4881-B781-14D8BCA0A356}"/>
+                  </a:ext>
+                </a:extLst>
+              </p:cNvPr>
+              <p:cNvSpPr txBox="1"/>
+              <p:nvPr/>
+            </p:nvSpPr>
+            <p:spPr>
+              <a:xfrm>
+                <a:off x="8901684" y="3515975"/>
+                <a:ext cx="3226452" cy="714289"/>
+              </a:xfrm>
+              <a:prstGeom prst="rect">
+                <a:avLst/>
+              </a:prstGeom>
+              <a:solidFill>
+                <a:schemeClr val="bg1"/>
+              </a:solidFill>
+              <a:ln w="38100">
+                <a:solidFill>
+                  <a:schemeClr val="tx1"/>
+                </a:solidFill>
+              </a:ln>
+              <a:effectLst>
+                <a:outerShdw blurRad="50800" dist="38100" dir="2700000" algn="tl" rotWithShape="0">
+                  <a:prstClr val="black">
+                    <a:alpha val="40000"/>
+                  </a:prstClr>
+                </a:outerShdw>
+              </a:effectLst>
+            </p:spPr>
+            <p:txBody>
+              <a:bodyPr wrap="none" lIns="36000" tIns="36000" rIns="36000" bIns="36000" rtlCol="0">
+                <a:spAutoFit/>
+              </a:bodyPr>
+              <a:lstStyle/>
+              <a:p>
+                <a:pPr/>
+                <a14:m>
+                  <m:oMathPara xmlns:m="http://schemas.openxmlformats.org/officeDocument/2006/math">
+                    <m:oMathParaPr>
+                      <m:jc m:val="centerGroup"/>
+                    </m:oMathParaPr>
+                    <m:oMath xmlns:m="http://schemas.openxmlformats.org/officeDocument/2006/math">
+                      <m:sSub>
+                        <m:sSubPr>
+                          <m:ctrlPr>
+                            <a:rPr lang="ru-RU" sz="3200" i="1" smtClean="0">
+                              <a:latin typeface="Cambria Math" panose="02040503050406030204" pitchFamily="18" charset="0"/>
+                            </a:rPr>
+                          </m:ctrlPr>
+                        </m:sSubPr>
+                        <m:e>
+                          <m:r>
+                            <a:rPr lang="ru-RU" sz="3200" i="1" smtClean="0">
+                              <a:latin typeface="Cambria Math" panose="02040503050406030204" pitchFamily="18" charset="0"/>
+                            </a:rPr>
+                            <m:t>𝐿</m:t>
+                          </m:r>
+                        </m:e>
+                        <m:sub>
+                          <m:r>
+                            <a:rPr lang="ru-RU" sz="3200" i="1" smtClean="0">
+                              <a:latin typeface="Cambria Math" panose="02040503050406030204" pitchFamily="18" charset="0"/>
+                            </a:rPr>
+                            <m:t>𝑜</m:t>
+                          </m:r>
+                          <m:r>
+                            <a:rPr lang="en-US" sz="3200" b="0" i="1" smtClean="0">
+                              <a:latin typeface="Cambria Math" panose="02040503050406030204" pitchFamily="18" charset="0"/>
+                            </a:rPr>
+                            <m:t>𝑓</m:t>
+                          </m:r>
+                          <m:r>
+                            <a:rPr lang="ru-RU" sz="3200" i="1" smtClean="0">
+                              <a:latin typeface="Cambria Math" panose="02040503050406030204" pitchFamily="18" charset="0"/>
+                            </a:rPr>
+                            <m:t>𝑓</m:t>
+                          </m:r>
+                        </m:sub>
+                      </m:sSub>
+                      <m:r>
+                        <a:rPr lang="ru-RU" sz="3200" i="1" smtClean="0">
+                          <a:latin typeface="Cambria Math" panose="02040503050406030204" pitchFamily="18" charset="0"/>
+                        </a:rPr>
+                        <m:t>→</m:t>
+                      </m:r>
+                      <m:func>
+                        <m:funcPr>
+                          <m:ctrlPr>
+                            <a:rPr lang="en-US" sz="3200" i="1" smtClean="0">
+                              <a:latin typeface="Cambria Math" panose="02040503050406030204" pitchFamily="18" charset="0"/>
+                            </a:rPr>
+                          </m:ctrlPr>
+                        </m:funcPr>
+                        <m:fName>
+                          <m:limLow>
+                            <m:limLowPr>
+                              <m:ctrlPr>
+                                <a:rPr lang="en-US" sz="3200" i="1" smtClean="0">
+                                  <a:latin typeface="Cambria Math" panose="02040503050406030204" pitchFamily="18" charset="0"/>
+                                </a:rPr>
+                              </m:ctrlPr>
+                            </m:limLowPr>
+                            <m:e>
+                              <m:r>
+                                <m:rPr>
+                                  <m:sty m:val="p"/>
+                                </m:rPr>
+                                <a:rPr lang="en-US" sz="3200" i="0" smtClean="0">
+                                  <a:latin typeface="Cambria Math" panose="02040503050406030204" pitchFamily="18" charset="0"/>
+                                </a:rPr>
+                                <m:t>min</m:t>
+                              </m:r>
+                            </m:e>
+                            <m:lim>
+                              <m:r>
+                                <a:rPr lang="en-US" sz="3200" b="0" i="1" smtClean="0">
+                                  <a:latin typeface="Cambria Math" panose="02040503050406030204" pitchFamily="18" charset="0"/>
+                                </a:rPr>
+                                <m:t>𝑅𝑜𝑢𝑡𝑒</m:t>
+                              </m:r>
+                              <m:r>
+                                <a:rPr lang="en-US" sz="3200" b="0" i="1" smtClean="0">
+                                  <a:latin typeface="Cambria Math" panose="02040503050406030204" pitchFamily="18" charset="0"/>
+                                  <a:ea typeface="Cambria Math" panose="02040503050406030204" pitchFamily="18" charset="0"/>
+                                </a:rPr>
+                                <m:t>∈</m:t>
+                              </m:r>
+                              <m:r>
+                                <a:rPr lang="en-US" sz="3200" b="0" i="1" smtClean="0">
+                                  <a:latin typeface="Cambria Math" panose="02040503050406030204" pitchFamily="18" charset="0"/>
+                                  <a:ea typeface="Cambria Math" panose="02040503050406030204" pitchFamily="18" charset="0"/>
+                                </a:rPr>
+                                <m:t>𝐺</m:t>
+                              </m:r>
+                            </m:lim>
+                          </m:limLow>
+                        </m:fName>
+                        <m:e/>
+                      </m:func>
+                    </m:oMath>
+                  </m:oMathPara>
+                </a14:m>
+                <a:endParaRPr lang="ru-RU" sz="3200" dirty="0"/>
+              </a:p>
+            </p:txBody>
+          </p:sp>
+        </mc:Choice>
+        <mc:Fallback xmlns="">
+          <p:sp>
+            <p:nvSpPr>
+              <p:cNvPr id="18" name="TextBox 17">
+                <a:extLst>
+                  <a:ext uri="{FF2B5EF4-FFF2-40B4-BE49-F238E27FC236}">
+                    <a16:creationId xmlns:a16="http://schemas.microsoft.com/office/drawing/2014/main" id="{C9B7E629-68C5-4881-B781-14D8BCA0A356}"/>
+                  </a:ext>
+                </a:extLst>
+              </p:cNvPr>
+              <p:cNvSpPr txBox="1">
+                <a:spLocks noRot="1" noChangeAspect="1" noMove="1" noResize="1" noEditPoints="1" noAdjustHandles="1" noChangeArrowheads="1" noChangeShapeType="1" noTextEdit="1"/>
+              </p:cNvSpPr>
+              <p:nvPr/>
+            </p:nvSpPr>
+            <p:spPr>
+              <a:xfrm>
+                <a:off x="8901684" y="3515975"/>
+                <a:ext cx="3226452" cy="714289"/>
+              </a:xfrm>
+              <a:prstGeom prst="rect">
+                <a:avLst/>
+              </a:prstGeom>
+              <a:blipFill>
+                <a:blip r:embed="rId6"/>
+                <a:stretch>
+                  <a:fillRect/>
+                </a:stretch>
+              </a:blipFill>
+              <a:ln w="38100">
+                <a:solidFill>
+                  <a:schemeClr val="tx1"/>
+                </a:solidFill>
+              </a:ln>
+              <a:effectLst>
+                <a:outerShdw blurRad="50800" dist="38100" dir="2700000" algn="tl" rotWithShape="0">
+                  <a:prstClr val="black">
+                    <a:alpha val="40000"/>
+                  </a:prstClr>
+                </a:outerShdw>
+              </a:effectLst>
+            </p:spPr>
+            <p:txBody>
+              <a:bodyPr/>
+              <a:lstStyle/>
+              <a:p>
+                <a:r>
+                  <a:rPr lang="ru-RU">
+                    <a:noFill/>
+                  </a:rPr>
+                  <a:t> </a:t>
+                </a:r>
+              </a:p>
+            </p:txBody>
+          </p:sp>
+        </mc:Fallback>
+      </mc:AlternateContent>
     </p:spTree>
     <p:extLst>
       <p:ext uri="{BB962C8B-B14F-4D97-AF65-F5344CB8AC3E}">
         <p14:creationId xmlns:p14="http://schemas.microsoft.com/office/powerpoint/2010/main" val="2618824217"/>
+      </p:ext>
+    </p:extLst>
+  </p:cSld>
+  <p:clrMapOvr>
+    <a:masterClrMapping/>
+  </p:clrMapOvr>
+</p:sld>
+</file>
+
+<file path=ppt/slides/slide2.xml><?xml version="1.0" encoding="utf-8"?>
+<p:sld xmlns:a="http://schemas.openxmlformats.org/drawingml/2006/main" xmlns:r="http://schemas.openxmlformats.org/officeDocument/2006/relationships" xmlns:p="http://schemas.openxmlformats.org/presentationml/2006/main">
+  <p:cSld>
+    <p:spTree>
+      <p:nvGrpSpPr>
+        <p:cNvPr id="1" name=""/>
+        <p:cNvGrpSpPr/>
+        <p:nvPr/>
+      </p:nvGrpSpPr>
+      <p:grpSpPr>
+        <a:xfrm>
+          <a:off x="0" y="0"/>
+          <a:ext cx="0" cy="0"/>
+          <a:chOff x="0" y="0"/>
+          <a:chExt cx="0" cy="0"/>
+        </a:xfrm>
+      </p:grpSpPr>
+      <p:sp>
+        <p:nvSpPr>
+          <p:cNvPr id="5" name="TextBox 4">
+            <a:extLst>
+              <a:ext uri="{FF2B5EF4-FFF2-40B4-BE49-F238E27FC236}">
+                <a16:creationId xmlns:a16="http://schemas.microsoft.com/office/drawing/2014/main" id="{E945879D-B2BF-418B-AF18-63EC951581A4}"/>
+              </a:ext>
+            </a:extLst>
+          </p:cNvPr>
+          <p:cNvSpPr txBox="1"/>
+          <p:nvPr/>
+        </p:nvSpPr>
+        <p:spPr>
+          <a:xfrm>
+            <a:off x="2515857" y="421730"/>
+            <a:ext cx="6328720" cy="830997"/>
+          </a:xfrm>
+          <a:prstGeom prst="rect">
+            <a:avLst/>
+          </a:prstGeom>
+          <a:noFill/>
+        </p:spPr>
+        <p:txBody>
+          <a:bodyPr wrap="none" rtlCol="0">
+            <a:spAutoFit/>
+          </a:bodyPr>
+          <a:lstStyle/>
+          <a:p>
+            <a:r>
+              <a:rPr lang="en-US" sz="4800" dirty="0"/>
+              <a:t>Continuous optimization</a:t>
+            </a:r>
+            <a:endParaRPr lang="ru-RU" sz="4800" dirty="0"/>
+          </a:p>
+        </p:txBody>
+      </p:sp>
+    </p:spTree>
+    <p:extLst>
+      <p:ext uri="{BB962C8B-B14F-4D97-AF65-F5344CB8AC3E}">
+        <p14:creationId xmlns:p14="http://schemas.microsoft.com/office/powerpoint/2010/main" val="3189935367"/>
+      </p:ext>
+    </p:extLst>
+  </p:cSld>
+  <p:clrMapOvr>
+    <a:masterClrMapping/>
+  </p:clrMapOvr>
+</p:sld>
+</file>
+
+<file path=ppt/slides/slide3.xml><?xml version="1.0" encoding="utf-8"?>
+<p:sld xmlns:a="http://schemas.openxmlformats.org/drawingml/2006/main" xmlns:r="http://schemas.openxmlformats.org/officeDocument/2006/relationships" xmlns:p="http://schemas.openxmlformats.org/presentationml/2006/main">
+  <p:cSld>
+    <p:spTree>
+      <p:nvGrpSpPr>
+        <p:cNvPr id="1" name=""/>
+        <p:cNvGrpSpPr/>
+        <p:nvPr/>
+      </p:nvGrpSpPr>
+      <p:grpSpPr>
+        <a:xfrm>
+          <a:off x="0" y="0"/>
+          <a:ext cx="0" cy="0"/>
+          <a:chOff x="0" y="0"/>
+          <a:chExt cx="0" cy="0"/>
+        </a:xfrm>
+      </p:grpSpPr>
+      <p:sp>
+        <p:nvSpPr>
+          <p:cNvPr id="4" name="TextBox 3">
+            <a:extLst>
+              <a:ext uri="{FF2B5EF4-FFF2-40B4-BE49-F238E27FC236}">
+                <a16:creationId xmlns:a16="http://schemas.microsoft.com/office/drawing/2014/main" id="{827C0B8D-C6CF-409C-9C7F-440359C1F7FD}"/>
+              </a:ext>
+            </a:extLst>
+          </p:cNvPr>
+          <p:cNvSpPr txBox="1"/>
+          <p:nvPr/>
+        </p:nvSpPr>
+        <p:spPr>
+          <a:xfrm>
+            <a:off x="3055353" y="339434"/>
+            <a:ext cx="5506829" cy="830997"/>
+          </a:xfrm>
+          <a:prstGeom prst="rect">
+            <a:avLst/>
+          </a:prstGeom>
+          <a:noFill/>
+        </p:spPr>
+        <p:txBody>
+          <a:bodyPr wrap="none" rtlCol="0">
+            <a:spAutoFit/>
+          </a:bodyPr>
+          <a:lstStyle/>
+          <a:p>
+            <a:r>
+              <a:rPr lang="en-US" sz="4800" dirty="0"/>
+              <a:t>Discrete optimization</a:t>
+            </a:r>
+            <a:endParaRPr lang="ru-RU" sz="4800" dirty="0"/>
+          </a:p>
+        </p:txBody>
+      </p:sp>
+    </p:spTree>
+    <p:extLst>
+      <p:ext uri="{BB962C8B-B14F-4D97-AF65-F5344CB8AC3E}">
+        <p14:creationId xmlns:p14="http://schemas.microsoft.com/office/powerpoint/2010/main" val="4205511929"/>
+      </p:ext>
+    </p:extLst>
+  </p:cSld>
+  <p:clrMapOvr>
+    <a:masterClrMapping/>
+  </p:clrMapOvr>
+</p:sld>
+</file>
+
+<file path=ppt/slides/slide4.xml><?xml version="1.0" encoding="utf-8"?>
+<p:sld xmlns:a="http://schemas.openxmlformats.org/drawingml/2006/main" xmlns:r="http://schemas.openxmlformats.org/officeDocument/2006/relationships" xmlns:p="http://schemas.openxmlformats.org/presentationml/2006/main">
+  <p:cSld>
+    <p:spTree>
+      <p:nvGrpSpPr>
+        <p:cNvPr id="1" name=""/>
+        <p:cNvGrpSpPr/>
+        <p:nvPr/>
+      </p:nvGrpSpPr>
+      <p:grpSpPr>
+        <a:xfrm>
+          <a:off x="0" y="0"/>
+          <a:ext cx="0" cy="0"/>
+          <a:chOff x="0" y="0"/>
+          <a:chExt cx="0" cy="0"/>
+        </a:xfrm>
+      </p:grpSpPr>
+      <p:sp>
+        <p:nvSpPr>
+          <p:cNvPr id="4" name="TextBox 3">
+            <a:extLst>
+              <a:ext uri="{FF2B5EF4-FFF2-40B4-BE49-F238E27FC236}">
+                <a16:creationId xmlns:a16="http://schemas.microsoft.com/office/drawing/2014/main" id="{2BCF329E-2900-41D6-95ED-422A013D3BB0}"/>
+              </a:ext>
+            </a:extLst>
+          </p:cNvPr>
+          <p:cNvSpPr txBox="1"/>
+          <p:nvPr/>
+        </p:nvSpPr>
+        <p:spPr>
+          <a:xfrm>
+            <a:off x="1802625" y="421730"/>
+            <a:ext cx="8048935" cy="830997"/>
+          </a:xfrm>
+          <a:prstGeom prst="rect">
+            <a:avLst/>
+          </a:prstGeom>
+          <a:noFill/>
+        </p:spPr>
+        <p:txBody>
+          <a:bodyPr wrap="none" rtlCol="0">
+            <a:spAutoFit/>
+          </a:bodyPr>
+          <a:lstStyle/>
+          <a:p>
+            <a:r>
+              <a:rPr lang="en-US" sz="4800" dirty="0"/>
+              <a:t>Precedence constraint handling</a:t>
+            </a:r>
+            <a:endParaRPr lang="ru-RU" sz="4800" dirty="0"/>
+          </a:p>
+        </p:txBody>
+      </p:sp>
+    </p:spTree>
+    <p:extLst>
+      <p:ext uri="{BB962C8B-B14F-4D97-AF65-F5344CB8AC3E}">
+        <p14:creationId xmlns:p14="http://schemas.microsoft.com/office/powerpoint/2010/main" val="3707099581"/>
+      </p:ext>
+    </p:extLst>
+  </p:cSld>
+  <p:clrMapOvr>
+    <a:masterClrMapping/>
+  </p:clrMapOvr>
+</p:sld>
+</file>
+
+<file path=ppt/slides/slide5.xml><?xml version="1.0" encoding="utf-8"?>
+<p:sld xmlns:a="http://schemas.openxmlformats.org/drawingml/2006/main" xmlns:r="http://schemas.openxmlformats.org/officeDocument/2006/relationships" xmlns:p="http://schemas.openxmlformats.org/presentationml/2006/main">
+  <p:cSld>
+    <p:spTree>
+      <p:nvGrpSpPr>
+        <p:cNvPr id="1" name=""/>
+        <p:cNvGrpSpPr/>
+        <p:nvPr/>
+      </p:nvGrpSpPr>
+      <p:grpSpPr>
+        <a:xfrm>
+          <a:off x="0" y="0"/>
+          <a:ext cx="0" cy="0"/>
+          <a:chOff x="0" y="0"/>
+          <a:chExt cx="0" cy="0"/>
+        </a:xfrm>
+      </p:grpSpPr>
+      <p:sp>
+        <p:nvSpPr>
+          <p:cNvPr id="4" name="TextBox 3">
+            <a:extLst>
+              <a:ext uri="{FF2B5EF4-FFF2-40B4-BE49-F238E27FC236}">
+                <a16:creationId xmlns:a16="http://schemas.microsoft.com/office/drawing/2014/main" id="{2BCF329E-2900-41D6-95ED-422A013D3BB0}"/>
+              </a:ext>
+            </a:extLst>
+          </p:cNvPr>
+          <p:cNvSpPr txBox="1"/>
+          <p:nvPr/>
+        </p:nvSpPr>
+        <p:spPr>
+          <a:xfrm>
+            <a:off x="2872473" y="421730"/>
+            <a:ext cx="6002669" cy="830997"/>
+          </a:xfrm>
+          <a:prstGeom prst="rect">
+            <a:avLst/>
+          </a:prstGeom>
+          <a:noFill/>
+        </p:spPr>
+        <p:txBody>
+          <a:bodyPr wrap="none" rtlCol="0">
+            <a:spAutoFit/>
+          </a:bodyPr>
+          <a:lstStyle/>
+          <a:p>
+            <a:r>
+              <a:rPr lang="en-US" sz="4800" dirty="0"/>
+              <a:t>Numerical experiments</a:t>
+            </a:r>
+            <a:endParaRPr lang="ru-RU" sz="4800" dirty="0"/>
+          </a:p>
+        </p:txBody>
+      </p:sp>
+    </p:spTree>
+    <p:extLst>
+      <p:ext uri="{BB962C8B-B14F-4D97-AF65-F5344CB8AC3E}">
+        <p14:creationId xmlns:p14="http://schemas.microsoft.com/office/powerpoint/2010/main" val="3262474529"/>
       </p:ext>
     </p:extLst>
   </p:cSld>
